--- a/Project/Pitch_Presentation.pptx
+++ b/Project/Pitch_Presentation.pptx
@@ -108,6 +108,11 @@
       </a:defRPr>
     </a:lvl9pPr>
   </p:defaultTextStyle>
+  <p:extLst>
+    <p:ext uri="{EFAFB233-063F-42B5-8137-9DF3F51BA10A}">
+      <p15:sldGuideLst xmlns:p15="http://schemas.microsoft.com/office/powerpoint/2012/main"/>
+    </p:ext>
+  </p:extLst>
 </p:presentation>
 </file>
 
@@ -4448,13 +4453,13 @@
   <p:clrMapOvr>
     <a:masterClrMapping/>
   </p:clrMapOvr>
-  <mc:AlternateContent xmlns:mc="http://schemas.openxmlformats.org/markup-compatibility/2006">
-    <mc:Choice xmlns:p14="http://schemas.microsoft.com/office/powerpoint/2010/main" Requires="p14">
+  <mc:AlternateContent xmlns:mc="http://schemas.openxmlformats.org/markup-compatibility/2006" xmlns:p14="http://schemas.microsoft.com/office/powerpoint/2010/main">
+    <mc:Choice Requires="p14">
       <p:transition spd="med" p14:dur="700">
         <p:fade/>
       </p:transition>
     </mc:Choice>
-    <mc:Fallback>
+    <mc:Fallback xmlns="">
       <p:transition spd="med">
         <p:fade/>
       </p:transition>
@@ -5772,13 +5777,13 @@
   <p:clrMapOvr>
     <a:masterClrMapping/>
   </p:clrMapOvr>
-  <mc:AlternateContent xmlns:mc="http://schemas.openxmlformats.org/markup-compatibility/2006">
-    <mc:Choice xmlns:p14="http://schemas.microsoft.com/office/powerpoint/2010/main" Requires="p14">
+  <mc:AlternateContent xmlns:mc="http://schemas.openxmlformats.org/markup-compatibility/2006" xmlns:p14="http://schemas.microsoft.com/office/powerpoint/2010/main">
+    <mc:Choice Requires="p14">
       <p:transition spd="med" p14:dur="700">
         <p:fade/>
       </p:transition>
     </mc:Choice>
-    <mc:Fallback>
+    <mc:Fallback xmlns="">
       <p:transition spd="med">
         <p:fade/>
       </p:transition>
@@ -8216,6 +8221,294 @@
           </a:prstGeom>
         </p:spPr>
       </p:pic>
+      <p:sp>
+        <p:nvSpPr>
+          <p:cNvPr id="2" name="Retângulo 1"/>
+          <p:cNvSpPr/>
+          <p:nvPr/>
+        </p:nvSpPr>
+        <p:spPr>
+          <a:xfrm>
+            <a:off x="4656535" y="2224917"/>
+            <a:ext cx="6096000" cy="4537781"/>
+          </a:xfrm>
+          <a:prstGeom prst="rect">
+            <a:avLst/>
+          </a:prstGeom>
+        </p:spPr>
+        <p:txBody>
+          <a:bodyPr>
+            <a:spAutoFit/>
+          </a:bodyPr>
+          <a:lstStyle/>
+          <a:p>
+            <a:pPr marL="342900" marR="0" lvl="0" indent="-342900" algn="just">
+              <a:lnSpc>
+                <a:spcPct val="107000"/>
+              </a:lnSpc>
+              <a:spcBef>
+                <a:spcPts val="0"/>
+              </a:spcBef>
+              <a:spcAft>
+                <a:spcPts val="0"/>
+              </a:spcAft>
+              <a:buFont typeface="Symbol" panose="05050102010706020507" pitchFamily="18" charset="2"/>
+              <a:buChar char=""/>
+            </a:pPr>
+            <a:r>
+              <a:rPr lang="pt-BR" dirty="0">
+                <a:solidFill>
+                  <a:srgbClr val="70AD47"/>
+                </a:solidFill>
+                <a:latin typeface="Calibri" panose="020F0502020204030204" pitchFamily="34" charset="0"/>
+                <a:ea typeface="Calibri" panose="020F0502020204030204" pitchFamily="34" charset="0"/>
+                <a:cs typeface="Times New Roman" panose="02020603050405020304" pitchFamily="18" charset="0"/>
+              </a:rPr>
+              <a:t>LED</a:t>
+            </a:r>
+            <a:r>
+              <a:rPr lang="pt-BR" dirty="0">
+                <a:latin typeface="Calibri" panose="020F0502020204030204" pitchFamily="34" charset="0"/>
+                <a:ea typeface="Calibri" panose="020F0502020204030204" pitchFamily="34" charset="0"/>
+                <a:cs typeface="Times New Roman" panose="02020603050405020304" pitchFamily="18" charset="0"/>
+              </a:rPr>
+              <a:t> – Um simples sistema com um (ou mais) LED que pode ser acionado a partir da placa.</a:t>
+            </a:r>
+            <a:endParaRPr lang="en-US" sz="1600" dirty="0">
+              <a:latin typeface="Calibri" panose="020F0502020204030204" pitchFamily="34" charset="0"/>
+              <a:ea typeface="Calibri" panose="020F0502020204030204" pitchFamily="34" charset="0"/>
+              <a:cs typeface="Times New Roman" panose="02020603050405020304" pitchFamily="18" charset="0"/>
+            </a:endParaRPr>
+          </a:p>
+          <a:p>
+            <a:pPr marL="342900" marR="0" lvl="0" indent="-342900" algn="just">
+              <a:lnSpc>
+                <a:spcPct val="107000"/>
+              </a:lnSpc>
+              <a:spcBef>
+                <a:spcPts val="0"/>
+              </a:spcBef>
+              <a:spcAft>
+                <a:spcPts val="0"/>
+              </a:spcAft>
+              <a:buFont typeface="Symbol" panose="05050102010706020507" pitchFamily="18" charset="2"/>
+              <a:buChar char=""/>
+            </a:pPr>
+            <a:r>
+              <a:rPr lang="pt-BR" dirty="0">
+                <a:solidFill>
+                  <a:srgbClr val="70AD47"/>
+                </a:solidFill>
+                <a:latin typeface="Calibri" panose="020F0502020204030204" pitchFamily="34" charset="0"/>
+                <a:ea typeface="Calibri" panose="020F0502020204030204" pitchFamily="34" charset="0"/>
+                <a:cs typeface="Times New Roman" panose="02020603050405020304" pitchFamily="18" charset="0"/>
+              </a:rPr>
+              <a:t>Botão </a:t>
+            </a:r>
+            <a:r>
+              <a:rPr lang="pt-BR" dirty="0">
+                <a:latin typeface="Calibri" panose="020F0502020204030204" pitchFamily="34" charset="0"/>
+                <a:ea typeface="Calibri" panose="020F0502020204030204" pitchFamily="34" charset="0"/>
+                <a:cs typeface="Times New Roman" panose="02020603050405020304" pitchFamily="18" charset="0"/>
+              </a:rPr>
+              <a:t>– Um sistema que acesse botões em uma placa e permita atuação sobre outros aspectos no projeto.</a:t>
+            </a:r>
+            <a:endParaRPr lang="en-US" sz="1600" dirty="0">
+              <a:latin typeface="Calibri" panose="020F0502020204030204" pitchFamily="34" charset="0"/>
+              <a:ea typeface="Calibri" panose="020F0502020204030204" pitchFamily="34" charset="0"/>
+              <a:cs typeface="Times New Roman" panose="02020603050405020304" pitchFamily="18" charset="0"/>
+            </a:endParaRPr>
+          </a:p>
+          <a:p>
+            <a:pPr marL="342900" marR="0" lvl="0" indent="-342900" algn="just">
+              <a:lnSpc>
+                <a:spcPct val="107000"/>
+              </a:lnSpc>
+              <a:spcBef>
+                <a:spcPts val="0"/>
+              </a:spcBef>
+              <a:spcAft>
+                <a:spcPts val="0"/>
+              </a:spcAft>
+              <a:buFont typeface="Symbol" panose="05050102010706020507" pitchFamily="18" charset="2"/>
+              <a:buChar char=""/>
+            </a:pPr>
+            <a:r>
+              <a:rPr lang="pt-BR" dirty="0">
+                <a:solidFill>
+                  <a:srgbClr val="70AD47"/>
+                </a:solidFill>
+                <a:latin typeface="Calibri" panose="020F0502020204030204" pitchFamily="34" charset="0"/>
+                <a:ea typeface="Calibri" panose="020F0502020204030204" pitchFamily="34" charset="0"/>
+                <a:cs typeface="Times New Roman" panose="02020603050405020304" pitchFamily="18" charset="0"/>
+              </a:rPr>
+              <a:t>Sensor Analógico </a:t>
+            </a:r>
+            <a:r>
+              <a:rPr lang="pt-BR" dirty="0">
+                <a:latin typeface="Calibri" panose="020F0502020204030204" pitchFamily="34" charset="0"/>
+                <a:ea typeface="Calibri" panose="020F0502020204030204" pitchFamily="34" charset="0"/>
+                <a:cs typeface="Times New Roman" panose="02020603050405020304" pitchFamily="18" charset="0"/>
+              </a:rPr>
+              <a:t>– e.g. Sensor de luminosidade (LDR), Multímetro simples</a:t>
+            </a:r>
+            <a:endParaRPr lang="en-US" sz="1600" dirty="0">
+              <a:latin typeface="Calibri" panose="020F0502020204030204" pitchFamily="34" charset="0"/>
+              <a:ea typeface="Calibri" panose="020F0502020204030204" pitchFamily="34" charset="0"/>
+              <a:cs typeface="Times New Roman" panose="02020603050405020304" pitchFamily="18" charset="0"/>
+            </a:endParaRPr>
+          </a:p>
+          <a:p>
+            <a:pPr marL="342900" marR="0" lvl="0" indent="-342900" algn="just">
+              <a:lnSpc>
+                <a:spcPct val="107000"/>
+              </a:lnSpc>
+              <a:spcBef>
+                <a:spcPts val="0"/>
+              </a:spcBef>
+              <a:spcAft>
+                <a:spcPts val="0"/>
+              </a:spcAft>
+              <a:buFont typeface="Symbol" panose="05050102010706020507" pitchFamily="18" charset="2"/>
+              <a:buChar char=""/>
+            </a:pPr>
+            <a:r>
+              <a:rPr lang="pt-BR" dirty="0">
+                <a:solidFill>
+                  <a:srgbClr val="70AD47"/>
+                </a:solidFill>
+                <a:latin typeface="Calibri" panose="020F0502020204030204" pitchFamily="34" charset="0"/>
+                <a:ea typeface="Calibri" panose="020F0502020204030204" pitchFamily="34" charset="0"/>
+                <a:cs typeface="Times New Roman" panose="02020603050405020304" pitchFamily="18" charset="0"/>
+              </a:rPr>
+              <a:t>Switch </a:t>
+            </a:r>
+            <a:r>
+              <a:rPr lang="pt-BR" dirty="0">
+                <a:latin typeface="Calibri" panose="020F0502020204030204" pitchFamily="34" charset="0"/>
+                <a:ea typeface="Calibri" panose="020F0502020204030204" pitchFamily="34" charset="0"/>
+                <a:cs typeface="Times New Roman" panose="02020603050405020304" pitchFamily="18" charset="0"/>
+              </a:rPr>
+              <a:t>– Uma chave simples que mude estado, talvez com mais de dois estados.</a:t>
+            </a:r>
+            <a:endParaRPr lang="en-US" sz="1600" dirty="0">
+              <a:latin typeface="Calibri" panose="020F0502020204030204" pitchFamily="34" charset="0"/>
+              <a:ea typeface="Calibri" panose="020F0502020204030204" pitchFamily="34" charset="0"/>
+              <a:cs typeface="Times New Roman" panose="02020603050405020304" pitchFamily="18" charset="0"/>
+            </a:endParaRPr>
+          </a:p>
+          <a:p>
+            <a:pPr marL="342900" marR="0" lvl="0" indent="-342900" algn="just">
+              <a:lnSpc>
+                <a:spcPct val="107000"/>
+              </a:lnSpc>
+              <a:spcBef>
+                <a:spcPts val="0"/>
+              </a:spcBef>
+              <a:spcAft>
+                <a:spcPts val="0"/>
+              </a:spcAft>
+              <a:buFont typeface="Symbol" panose="05050102010706020507" pitchFamily="18" charset="2"/>
+              <a:buChar char=""/>
+            </a:pPr>
+            <a:r>
+              <a:rPr lang="pt-BR" dirty="0">
+                <a:solidFill>
+                  <a:srgbClr val="5B9BD5"/>
+                </a:solidFill>
+                <a:latin typeface="Calibri" panose="020F0502020204030204" pitchFamily="34" charset="0"/>
+                <a:ea typeface="Calibri" panose="020F0502020204030204" pitchFamily="34" charset="0"/>
+                <a:cs typeface="Times New Roman" panose="02020603050405020304" pitchFamily="18" charset="0"/>
+              </a:rPr>
+              <a:t>Módulo Multímetro Simples </a:t>
+            </a:r>
+            <a:r>
+              <a:rPr lang="pt-BR" dirty="0">
+                <a:latin typeface="Calibri" panose="020F0502020204030204" pitchFamily="34" charset="0"/>
+                <a:ea typeface="Calibri" panose="020F0502020204030204" pitchFamily="34" charset="0"/>
+                <a:cs typeface="Times New Roman" panose="02020603050405020304" pitchFamily="18" charset="0"/>
+              </a:rPr>
+              <a:t>– Leitura de resistência, Tensão, Corrente, analógico, com uma chave para mudança de estado.</a:t>
+            </a:r>
+            <a:endParaRPr lang="en-US" sz="1600" dirty="0">
+              <a:latin typeface="Calibri" panose="020F0502020204030204" pitchFamily="34" charset="0"/>
+              <a:ea typeface="Calibri" panose="020F0502020204030204" pitchFamily="34" charset="0"/>
+              <a:cs typeface="Times New Roman" panose="02020603050405020304" pitchFamily="18" charset="0"/>
+            </a:endParaRPr>
+          </a:p>
+          <a:p>
+            <a:pPr marL="342900" marR="0" lvl="0" indent="-342900" algn="just">
+              <a:lnSpc>
+                <a:spcPct val="107000"/>
+              </a:lnSpc>
+              <a:spcBef>
+                <a:spcPts val="0"/>
+              </a:spcBef>
+              <a:spcAft>
+                <a:spcPts val="0"/>
+              </a:spcAft>
+              <a:buFont typeface="Symbol" panose="05050102010706020507" pitchFamily="18" charset="2"/>
+              <a:buChar char=""/>
+            </a:pPr>
+            <a:r>
+              <a:rPr lang="pt-BR" dirty="0">
+                <a:solidFill>
+                  <a:srgbClr val="5B9BD5"/>
+                </a:solidFill>
+                <a:latin typeface="Calibri" panose="020F0502020204030204" pitchFamily="34" charset="0"/>
+                <a:ea typeface="Calibri" panose="020F0502020204030204" pitchFamily="34" charset="0"/>
+                <a:cs typeface="Times New Roman" panose="02020603050405020304" pitchFamily="18" charset="0"/>
+              </a:rPr>
+              <a:t>Módulo LCD </a:t>
+            </a:r>
+            <a:r>
+              <a:rPr lang="pt-BR" dirty="0">
+                <a:latin typeface="Calibri" panose="020F0502020204030204" pitchFamily="34" charset="0"/>
+                <a:ea typeface="Calibri" panose="020F0502020204030204" pitchFamily="34" charset="0"/>
+                <a:cs typeface="Times New Roman" panose="02020603050405020304" pitchFamily="18" charset="0"/>
+              </a:rPr>
+              <a:t>– Display de mensagens escritas na plataforma, que podem mudar a partir de inputs de outros periféricos</a:t>
+            </a:r>
+            <a:endParaRPr lang="en-US" sz="1600" dirty="0">
+              <a:latin typeface="Calibri" panose="020F0502020204030204" pitchFamily="34" charset="0"/>
+              <a:ea typeface="Calibri" panose="020F0502020204030204" pitchFamily="34" charset="0"/>
+              <a:cs typeface="Times New Roman" panose="02020603050405020304" pitchFamily="18" charset="0"/>
+            </a:endParaRPr>
+          </a:p>
+          <a:p>
+            <a:pPr marL="342900" marR="0" lvl="0" indent="-342900" algn="just">
+              <a:lnSpc>
+                <a:spcPct val="107000"/>
+              </a:lnSpc>
+              <a:spcBef>
+                <a:spcPts val="0"/>
+              </a:spcBef>
+              <a:spcAft>
+                <a:spcPts val="800"/>
+              </a:spcAft>
+              <a:buFont typeface="Symbol" panose="05050102010706020507" pitchFamily="18" charset="2"/>
+              <a:buChar char=""/>
+            </a:pPr>
+            <a:r>
+              <a:rPr lang="pt-BR" dirty="0">
+                <a:solidFill>
+                  <a:srgbClr val="ED7D31"/>
+                </a:solidFill>
+                <a:latin typeface="Calibri" panose="020F0502020204030204" pitchFamily="34" charset="0"/>
+                <a:ea typeface="Calibri" panose="020F0502020204030204" pitchFamily="34" charset="0"/>
+                <a:cs typeface="Times New Roman" panose="02020603050405020304" pitchFamily="18" charset="0"/>
+              </a:rPr>
+              <a:t>Módulo ainda a ser planejado</a:t>
+            </a:r>
+            <a:endParaRPr lang="en-US" sz="1600" dirty="0">
+              <a:effectLst/>
+              <a:latin typeface="Calibri" panose="020F0502020204030204" pitchFamily="34" charset="0"/>
+              <a:ea typeface="Calibri" panose="020F0502020204030204" pitchFamily="34" charset="0"/>
+              <a:cs typeface="Times New Roman" panose="02020603050405020304" pitchFamily="18" charset="0"/>
+            </a:endParaRPr>
+          </a:p>
+        </p:txBody>
+      </p:sp>
     </p:spTree>
     <p:extLst>
       <p:ext uri="{BB962C8B-B14F-4D97-AF65-F5344CB8AC3E}">
@@ -8226,13 +8519,13 @@
   <p:clrMapOvr>
     <a:masterClrMapping/>
   </p:clrMapOvr>
-  <mc:AlternateContent xmlns:mc="http://schemas.openxmlformats.org/markup-compatibility/2006">
-    <mc:Choice xmlns:p14="http://schemas.microsoft.com/office/powerpoint/2010/main" Requires="p14">
+  <mc:AlternateContent xmlns:mc="http://schemas.openxmlformats.org/markup-compatibility/2006" xmlns:p14="http://schemas.microsoft.com/office/powerpoint/2010/main">
+    <mc:Choice Requires="p14">
       <p:transition spd="med" p14:dur="700">
         <p:fade/>
       </p:transition>
     </mc:Choice>
-    <mc:Fallback>
+    <mc:Fallback xmlns="">
       <p:transition spd="med">
         <p:fade/>
       </p:transition>
@@ -9045,30 +9338,415 @@
                             </p:childTnLst>
                           </p:cTn>
                         </p:par>
+                        <p:par>
+                          <p:cTn id="74" fill="hold">
+                            <p:stCondLst>
+                              <p:cond delay="2000"/>
+                            </p:stCondLst>
+                            <p:childTnLst>
+                              <p:par>
+                                <p:cTn id="75" presetID="10" presetClass="entr" presetSubtype="0" fill="hold" grpId="0" nodeType="afterEffect">
+                                  <p:stCondLst>
+                                    <p:cond delay="0"/>
+                                  </p:stCondLst>
+                                  <p:iterate type="wd">
+                                    <p:tmPct val="10000"/>
+                                  </p:iterate>
+                                  <p:childTnLst>
+                                    <p:set>
+                                      <p:cBhvr>
+                                        <p:cTn id="76" dur="1" fill="hold">
+                                          <p:stCondLst>
+                                            <p:cond delay="0"/>
+                                          </p:stCondLst>
+                                        </p:cTn>
+                                        <p:tgtEl>
+                                          <p:spTgt spid="2">
+                                            <p:txEl>
+                                              <p:pRg st="0" end="0"/>
+                                            </p:txEl>
+                                          </p:spTgt>
+                                        </p:tgtEl>
+                                        <p:attrNameLst>
+                                          <p:attrName>style.visibility</p:attrName>
+                                        </p:attrNameLst>
+                                      </p:cBhvr>
+                                      <p:to>
+                                        <p:strVal val="visible"/>
+                                      </p:to>
+                                    </p:set>
+                                    <p:animEffect transition="in" filter="fade">
+                                      <p:cBhvr>
+                                        <p:cTn id="77" dur="500"/>
+                                        <p:tgtEl>
+                                          <p:spTgt spid="2">
+                                            <p:txEl>
+                                              <p:pRg st="0" end="0"/>
+                                            </p:txEl>
+                                          </p:spTgt>
+                                        </p:tgtEl>
+                                      </p:cBhvr>
+                                    </p:animEffect>
+                                  </p:childTnLst>
+                                </p:cTn>
+                              </p:par>
+                            </p:childTnLst>
+                          </p:cTn>
+                        </p:par>
+                        <p:par>
+                          <p:cTn id="78" fill="hold">
+                            <p:stCondLst>
+                              <p:cond delay="3500"/>
+                            </p:stCondLst>
+                            <p:childTnLst>
+                              <p:par>
+                                <p:cTn id="79" presetID="10" presetClass="entr" presetSubtype="0" fill="hold" grpId="0" nodeType="afterEffect">
+                                  <p:stCondLst>
+                                    <p:cond delay="0"/>
+                                  </p:stCondLst>
+                                  <p:iterate type="wd">
+                                    <p:tmPct val="10000"/>
+                                  </p:iterate>
+                                  <p:childTnLst>
+                                    <p:set>
+                                      <p:cBhvr>
+                                        <p:cTn id="80" dur="1" fill="hold">
+                                          <p:stCondLst>
+                                            <p:cond delay="0"/>
+                                          </p:stCondLst>
+                                        </p:cTn>
+                                        <p:tgtEl>
+                                          <p:spTgt spid="2">
+                                            <p:txEl>
+                                              <p:pRg st="1" end="1"/>
+                                            </p:txEl>
+                                          </p:spTgt>
+                                        </p:tgtEl>
+                                        <p:attrNameLst>
+                                          <p:attrName>style.visibility</p:attrName>
+                                        </p:attrNameLst>
+                                      </p:cBhvr>
+                                      <p:to>
+                                        <p:strVal val="visible"/>
+                                      </p:to>
+                                    </p:set>
+                                    <p:animEffect transition="in" filter="fade">
+                                      <p:cBhvr>
+                                        <p:cTn id="81" dur="500"/>
+                                        <p:tgtEl>
+                                          <p:spTgt spid="2">
+                                            <p:txEl>
+                                              <p:pRg st="1" end="1"/>
+                                            </p:txEl>
+                                          </p:spTgt>
+                                        </p:tgtEl>
+                                      </p:cBhvr>
+                                    </p:animEffect>
+                                  </p:childTnLst>
+                                </p:cTn>
+                              </p:par>
+                            </p:childTnLst>
+                          </p:cTn>
+                        </p:par>
+                        <p:par>
+                          <p:cTn id="82" fill="hold">
+                            <p:stCondLst>
+                              <p:cond delay="4900"/>
+                            </p:stCondLst>
+                            <p:childTnLst>
+                              <p:par>
+                                <p:cTn id="83" presetID="10" presetClass="entr" presetSubtype="0" fill="hold" grpId="0" nodeType="afterEffect">
+                                  <p:stCondLst>
+                                    <p:cond delay="0"/>
+                                  </p:stCondLst>
+                                  <p:iterate type="wd">
+                                    <p:tmPct val="10000"/>
+                                  </p:iterate>
+                                  <p:childTnLst>
+                                    <p:set>
+                                      <p:cBhvr>
+                                        <p:cTn id="84" dur="1" fill="hold">
+                                          <p:stCondLst>
+                                            <p:cond delay="0"/>
+                                          </p:stCondLst>
+                                        </p:cTn>
+                                        <p:tgtEl>
+                                          <p:spTgt spid="2">
+                                            <p:txEl>
+                                              <p:pRg st="2" end="2"/>
+                                            </p:txEl>
+                                          </p:spTgt>
+                                        </p:tgtEl>
+                                        <p:attrNameLst>
+                                          <p:attrName>style.visibility</p:attrName>
+                                        </p:attrNameLst>
+                                      </p:cBhvr>
+                                      <p:to>
+                                        <p:strVal val="visible"/>
+                                      </p:to>
+                                    </p:set>
+                                    <p:animEffect transition="in" filter="fade">
+                                      <p:cBhvr>
+                                        <p:cTn id="85" dur="500"/>
+                                        <p:tgtEl>
+                                          <p:spTgt spid="2">
+                                            <p:txEl>
+                                              <p:pRg st="2" end="2"/>
+                                            </p:txEl>
+                                          </p:spTgt>
+                                        </p:tgtEl>
+                                      </p:cBhvr>
+                                    </p:animEffect>
+                                  </p:childTnLst>
+                                </p:cTn>
+                              </p:par>
+                            </p:childTnLst>
+                          </p:cTn>
+                        </p:par>
+                        <p:par>
+                          <p:cTn id="86" fill="hold">
+                            <p:stCondLst>
+                              <p:cond delay="6100"/>
+                            </p:stCondLst>
+                            <p:childTnLst>
+                              <p:par>
+                                <p:cTn id="87" presetID="10" presetClass="entr" presetSubtype="0" fill="hold" grpId="0" nodeType="afterEffect">
+                                  <p:stCondLst>
+                                    <p:cond delay="0"/>
+                                  </p:stCondLst>
+                                  <p:iterate type="wd">
+                                    <p:tmPct val="10000"/>
+                                  </p:iterate>
+                                  <p:childTnLst>
+                                    <p:set>
+                                      <p:cBhvr>
+                                        <p:cTn id="88" dur="1" fill="hold">
+                                          <p:stCondLst>
+                                            <p:cond delay="0"/>
+                                          </p:stCondLst>
+                                        </p:cTn>
+                                        <p:tgtEl>
+                                          <p:spTgt spid="2">
+                                            <p:txEl>
+                                              <p:pRg st="3" end="3"/>
+                                            </p:txEl>
+                                          </p:spTgt>
+                                        </p:tgtEl>
+                                        <p:attrNameLst>
+                                          <p:attrName>style.visibility</p:attrName>
+                                        </p:attrNameLst>
+                                      </p:cBhvr>
+                                      <p:to>
+                                        <p:strVal val="visible"/>
+                                      </p:to>
+                                    </p:set>
+                                    <p:animEffect transition="in" filter="fade">
+                                      <p:cBhvr>
+                                        <p:cTn id="89" dur="500"/>
+                                        <p:tgtEl>
+                                          <p:spTgt spid="2">
+                                            <p:txEl>
+                                              <p:pRg st="3" end="3"/>
+                                            </p:txEl>
+                                          </p:spTgt>
+                                        </p:tgtEl>
+                                      </p:cBhvr>
+                                    </p:animEffect>
+                                  </p:childTnLst>
+                                </p:cTn>
+                              </p:par>
+                            </p:childTnLst>
+                          </p:cTn>
+                        </p:par>
+                        <p:par>
+                          <p:cTn id="90" fill="hold">
+                            <p:stCondLst>
+                              <p:cond delay="7350"/>
+                            </p:stCondLst>
+                            <p:childTnLst>
+                              <p:par>
+                                <p:cTn id="91" presetID="10" presetClass="entr" presetSubtype="0" fill="hold" grpId="0" nodeType="afterEffect">
+                                  <p:stCondLst>
+                                    <p:cond delay="0"/>
+                                  </p:stCondLst>
+                                  <p:iterate type="wd">
+                                    <p:tmPct val="10000"/>
+                                  </p:iterate>
+                                  <p:childTnLst>
+                                    <p:set>
+                                      <p:cBhvr>
+                                        <p:cTn id="92" dur="1" fill="hold">
+                                          <p:stCondLst>
+                                            <p:cond delay="0"/>
+                                          </p:stCondLst>
+                                        </p:cTn>
+                                        <p:tgtEl>
+                                          <p:spTgt spid="2">
+                                            <p:txEl>
+                                              <p:pRg st="4" end="4"/>
+                                            </p:txEl>
+                                          </p:spTgt>
+                                        </p:tgtEl>
+                                        <p:attrNameLst>
+                                          <p:attrName>style.visibility</p:attrName>
+                                        </p:attrNameLst>
+                                      </p:cBhvr>
+                                      <p:to>
+                                        <p:strVal val="visible"/>
+                                      </p:to>
+                                    </p:set>
+                                    <p:animEffect transition="in" filter="fade">
+                                      <p:cBhvr>
+                                        <p:cTn id="93" dur="500"/>
+                                        <p:tgtEl>
+                                          <p:spTgt spid="2">
+                                            <p:txEl>
+                                              <p:pRg st="4" end="4"/>
+                                            </p:txEl>
+                                          </p:spTgt>
+                                        </p:tgtEl>
+                                      </p:cBhvr>
+                                    </p:animEffect>
+                                  </p:childTnLst>
+                                </p:cTn>
+                              </p:par>
+                            </p:childTnLst>
+                          </p:cTn>
+                        </p:par>
+                        <p:par>
+                          <p:cTn id="94" fill="hold">
+                            <p:stCondLst>
+                              <p:cond delay="8900"/>
+                            </p:stCondLst>
+                            <p:childTnLst>
+                              <p:par>
+                                <p:cTn id="95" presetID="10" presetClass="entr" presetSubtype="0" fill="hold" grpId="0" nodeType="afterEffect">
+                                  <p:stCondLst>
+                                    <p:cond delay="0"/>
+                                  </p:stCondLst>
+                                  <p:iterate type="wd">
+                                    <p:tmPct val="10000"/>
+                                  </p:iterate>
+                                  <p:childTnLst>
+                                    <p:set>
+                                      <p:cBhvr>
+                                        <p:cTn id="96" dur="1" fill="hold">
+                                          <p:stCondLst>
+                                            <p:cond delay="0"/>
+                                          </p:stCondLst>
+                                        </p:cTn>
+                                        <p:tgtEl>
+                                          <p:spTgt spid="2">
+                                            <p:txEl>
+                                              <p:pRg st="5" end="5"/>
+                                            </p:txEl>
+                                          </p:spTgt>
+                                        </p:tgtEl>
+                                        <p:attrNameLst>
+                                          <p:attrName>style.visibility</p:attrName>
+                                        </p:attrNameLst>
+                                      </p:cBhvr>
+                                      <p:to>
+                                        <p:strVal val="visible"/>
+                                      </p:to>
+                                    </p:set>
+                                    <p:animEffect transition="in" filter="fade">
+                                      <p:cBhvr>
+                                        <p:cTn id="97" dur="500"/>
+                                        <p:tgtEl>
+                                          <p:spTgt spid="2">
+                                            <p:txEl>
+                                              <p:pRg st="5" end="5"/>
+                                            </p:txEl>
+                                          </p:spTgt>
+                                        </p:tgtEl>
+                                      </p:cBhvr>
+                                    </p:animEffect>
+                                  </p:childTnLst>
+                                </p:cTn>
+                              </p:par>
+                            </p:childTnLst>
+                          </p:cTn>
+                        </p:par>
+                        <p:par>
+                          <p:cTn id="98" fill="hold">
+                            <p:stCondLst>
+                              <p:cond delay="10350"/>
+                            </p:stCondLst>
+                            <p:childTnLst>
+                              <p:par>
+                                <p:cTn id="99" presetID="10" presetClass="entr" presetSubtype="0" fill="hold" grpId="0" nodeType="afterEffect">
+                                  <p:stCondLst>
+                                    <p:cond delay="0"/>
+                                  </p:stCondLst>
+                                  <p:iterate type="wd">
+                                    <p:tmPct val="10000"/>
+                                  </p:iterate>
+                                  <p:childTnLst>
+                                    <p:set>
+                                      <p:cBhvr>
+                                        <p:cTn id="100" dur="1" fill="hold">
+                                          <p:stCondLst>
+                                            <p:cond delay="0"/>
+                                          </p:stCondLst>
+                                        </p:cTn>
+                                        <p:tgtEl>
+                                          <p:spTgt spid="2">
+                                            <p:txEl>
+                                              <p:pRg st="6" end="6"/>
+                                            </p:txEl>
+                                          </p:spTgt>
+                                        </p:tgtEl>
+                                        <p:attrNameLst>
+                                          <p:attrName>style.visibility</p:attrName>
+                                        </p:attrNameLst>
+                                      </p:cBhvr>
+                                      <p:to>
+                                        <p:strVal val="visible"/>
+                                      </p:to>
+                                    </p:set>
+                                    <p:animEffect transition="in" filter="fade">
+                                      <p:cBhvr>
+                                        <p:cTn id="101" dur="500"/>
+                                        <p:tgtEl>
+                                          <p:spTgt spid="2">
+                                            <p:txEl>
+                                              <p:pRg st="6" end="6"/>
+                                            </p:txEl>
+                                          </p:spTgt>
+                                        </p:tgtEl>
+                                      </p:cBhvr>
+                                    </p:animEffect>
+                                  </p:childTnLst>
+                                </p:cTn>
+                              </p:par>
+                            </p:childTnLst>
+                          </p:cTn>
+                        </p:par>
                       </p:childTnLst>
                     </p:cTn>
                   </p:par>
                   <p:par>
-                    <p:cTn id="74" fill="hold">
+                    <p:cTn id="102" fill="hold">
                       <p:stCondLst>
                         <p:cond delay="indefinite"/>
                       </p:stCondLst>
                       <p:childTnLst>
                         <p:par>
-                          <p:cTn id="75" fill="hold">
+                          <p:cTn id="103" fill="hold">
                             <p:stCondLst>
                               <p:cond delay="0"/>
                             </p:stCondLst>
                             <p:childTnLst>
                               <p:par>
-                                <p:cTn id="76" presetID="10" presetClass="entr" presetSubtype="0" fill="hold" nodeType="clickEffect">
+                                <p:cTn id="104" presetID="10" presetClass="entr" presetSubtype="0" fill="hold" nodeType="clickEffect">
                                   <p:stCondLst>
                                     <p:cond delay="0"/>
                                   </p:stCondLst>
                                   <p:childTnLst>
                                     <p:set>
                                       <p:cBhvr>
-                                        <p:cTn id="77" dur="1" fill="hold">
+                                        <p:cTn id="105" dur="1" fill="hold">
                                           <p:stCondLst>
                                             <p:cond delay="0"/>
                                           </p:stCondLst>
@@ -9086,12 +9764,334 @@
                                     </p:set>
                                     <p:animEffect transition="in" filter="fade">
                                       <p:cBhvr>
-                                        <p:cTn id="78" dur="500"/>
+                                        <p:cTn id="106" dur="500"/>
                                         <p:tgtEl>
                                           <p:spTgt spid="68"/>
                                         </p:tgtEl>
                                       </p:cBhvr>
                                     </p:animEffect>
+                                  </p:childTnLst>
+                                </p:cTn>
+                              </p:par>
+                              <p:par>
+                                <p:cTn id="107" presetID="10" presetClass="exit" presetSubtype="0" fill="hold" grpId="1" nodeType="withEffect">
+                                  <p:stCondLst>
+                                    <p:cond delay="0"/>
+                                  </p:stCondLst>
+                                  <p:iterate type="wd">
+                                    <p:tmPct val="0"/>
+                                  </p:iterate>
+                                  <p:childTnLst>
+                                    <p:animEffect transition="out" filter="fade">
+                                      <p:cBhvr>
+                                        <p:cTn id="108" dur="500"/>
+                                        <p:tgtEl>
+                                          <p:spTgt spid="2">
+                                            <p:txEl>
+                                              <p:pRg st="0" end="0"/>
+                                            </p:txEl>
+                                          </p:spTgt>
+                                        </p:tgtEl>
+                                      </p:cBhvr>
+                                    </p:animEffect>
+                                    <p:set>
+                                      <p:cBhvr>
+                                        <p:cTn id="109" dur="1" fill="hold">
+                                          <p:stCondLst>
+                                            <p:cond delay="499"/>
+                                          </p:stCondLst>
+                                        </p:cTn>
+                                        <p:tgtEl>
+                                          <p:spTgt spid="2">
+                                            <p:txEl>
+                                              <p:pRg st="0" end="0"/>
+                                            </p:txEl>
+                                          </p:spTgt>
+                                        </p:tgtEl>
+                                        <p:attrNameLst>
+                                          <p:attrName>style.visibility</p:attrName>
+                                        </p:attrNameLst>
+                                      </p:cBhvr>
+                                      <p:to>
+                                        <p:strVal val="hidden"/>
+                                      </p:to>
+                                    </p:set>
+                                  </p:childTnLst>
+                                </p:cTn>
+                              </p:par>
+                              <p:par>
+                                <p:cTn id="110" presetID="10" presetClass="exit" presetSubtype="0" fill="hold" grpId="1" nodeType="withEffect">
+                                  <p:stCondLst>
+                                    <p:cond delay="0"/>
+                                  </p:stCondLst>
+                                  <p:iterate type="wd">
+                                    <p:tmPct val="0"/>
+                                  </p:iterate>
+                                  <p:childTnLst>
+                                    <p:animEffect transition="out" filter="fade">
+                                      <p:cBhvr>
+                                        <p:cTn id="111" dur="500"/>
+                                        <p:tgtEl>
+                                          <p:spTgt spid="2">
+                                            <p:txEl>
+                                              <p:pRg st="1" end="1"/>
+                                            </p:txEl>
+                                          </p:spTgt>
+                                        </p:tgtEl>
+                                      </p:cBhvr>
+                                    </p:animEffect>
+                                    <p:set>
+                                      <p:cBhvr>
+                                        <p:cTn id="112" dur="1" fill="hold">
+                                          <p:stCondLst>
+                                            <p:cond delay="499"/>
+                                          </p:stCondLst>
+                                        </p:cTn>
+                                        <p:tgtEl>
+                                          <p:spTgt spid="2">
+                                            <p:txEl>
+                                              <p:pRg st="1" end="1"/>
+                                            </p:txEl>
+                                          </p:spTgt>
+                                        </p:tgtEl>
+                                        <p:attrNameLst>
+                                          <p:attrName>style.visibility</p:attrName>
+                                        </p:attrNameLst>
+                                      </p:cBhvr>
+                                      <p:to>
+                                        <p:strVal val="hidden"/>
+                                      </p:to>
+                                    </p:set>
+                                  </p:childTnLst>
+                                </p:cTn>
+                              </p:par>
+                              <p:par>
+                                <p:cTn id="113" presetID="10" presetClass="exit" presetSubtype="0" fill="hold" grpId="1" nodeType="withEffect">
+                                  <p:stCondLst>
+                                    <p:cond delay="0"/>
+                                  </p:stCondLst>
+                                  <p:iterate type="wd">
+                                    <p:tmPct val="0"/>
+                                  </p:iterate>
+                                  <p:childTnLst>
+                                    <p:animEffect transition="out" filter="fade">
+                                      <p:cBhvr>
+                                        <p:cTn id="114" dur="500"/>
+                                        <p:tgtEl>
+                                          <p:spTgt spid="2">
+                                            <p:txEl>
+                                              <p:pRg st="2" end="2"/>
+                                            </p:txEl>
+                                          </p:spTgt>
+                                        </p:tgtEl>
+                                      </p:cBhvr>
+                                    </p:animEffect>
+                                    <p:set>
+                                      <p:cBhvr>
+                                        <p:cTn id="115" dur="1" fill="hold">
+                                          <p:stCondLst>
+                                            <p:cond delay="499"/>
+                                          </p:stCondLst>
+                                        </p:cTn>
+                                        <p:tgtEl>
+                                          <p:spTgt spid="2">
+                                            <p:txEl>
+                                              <p:pRg st="2" end="2"/>
+                                            </p:txEl>
+                                          </p:spTgt>
+                                        </p:tgtEl>
+                                        <p:attrNameLst>
+                                          <p:attrName>style.visibility</p:attrName>
+                                        </p:attrNameLst>
+                                      </p:cBhvr>
+                                      <p:to>
+                                        <p:strVal val="hidden"/>
+                                      </p:to>
+                                    </p:set>
+                                  </p:childTnLst>
+                                </p:cTn>
+                              </p:par>
+                              <p:par>
+                                <p:cTn id="116" presetID="10" presetClass="exit" presetSubtype="0" fill="hold" grpId="1" nodeType="withEffect">
+                                  <p:stCondLst>
+                                    <p:cond delay="0"/>
+                                  </p:stCondLst>
+                                  <p:iterate type="wd">
+                                    <p:tmPct val="0"/>
+                                  </p:iterate>
+                                  <p:childTnLst>
+                                    <p:animEffect transition="out" filter="fade">
+                                      <p:cBhvr>
+                                        <p:cTn id="117" dur="500"/>
+                                        <p:tgtEl>
+                                          <p:spTgt spid="2">
+                                            <p:txEl>
+                                              <p:pRg st="3" end="3"/>
+                                            </p:txEl>
+                                          </p:spTgt>
+                                        </p:tgtEl>
+                                      </p:cBhvr>
+                                    </p:animEffect>
+                                    <p:set>
+                                      <p:cBhvr>
+                                        <p:cTn id="118" dur="1" fill="hold">
+                                          <p:stCondLst>
+                                            <p:cond delay="499"/>
+                                          </p:stCondLst>
+                                        </p:cTn>
+                                        <p:tgtEl>
+                                          <p:spTgt spid="2">
+                                            <p:txEl>
+                                              <p:pRg st="3" end="3"/>
+                                            </p:txEl>
+                                          </p:spTgt>
+                                        </p:tgtEl>
+                                        <p:attrNameLst>
+                                          <p:attrName>style.visibility</p:attrName>
+                                        </p:attrNameLst>
+                                      </p:cBhvr>
+                                      <p:to>
+                                        <p:strVal val="hidden"/>
+                                      </p:to>
+                                    </p:set>
+                                  </p:childTnLst>
+                                </p:cTn>
+                              </p:par>
+                              <p:par>
+                                <p:cTn id="119" presetID="10" presetClass="exit" presetSubtype="0" fill="hold" grpId="1" nodeType="withEffect">
+                                  <p:stCondLst>
+                                    <p:cond delay="0"/>
+                                  </p:stCondLst>
+                                  <p:iterate type="wd">
+                                    <p:tmPct val="0"/>
+                                  </p:iterate>
+                                  <p:childTnLst>
+                                    <p:animEffect transition="out" filter="fade">
+                                      <p:cBhvr>
+                                        <p:cTn id="120" dur="500"/>
+                                        <p:tgtEl>
+                                          <p:spTgt spid="2">
+                                            <p:txEl>
+                                              <p:pRg st="4" end="4"/>
+                                            </p:txEl>
+                                          </p:spTgt>
+                                        </p:tgtEl>
+                                      </p:cBhvr>
+                                    </p:animEffect>
+                                    <p:set>
+                                      <p:cBhvr>
+                                        <p:cTn id="121" dur="1" fill="hold">
+                                          <p:stCondLst>
+                                            <p:cond delay="499"/>
+                                          </p:stCondLst>
+                                        </p:cTn>
+                                        <p:tgtEl>
+                                          <p:spTgt spid="2">
+                                            <p:txEl>
+                                              <p:pRg st="4" end="4"/>
+                                            </p:txEl>
+                                          </p:spTgt>
+                                        </p:tgtEl>
+                                        <p:attrNameLst>
+                                          <p:attrName>style.visibility</p:attrName>
+                                        </p:attrNameLst>
+                                      </p:cBhvr>
+                                      <p:to>
+                                        <p:strVal val="hidden"/>
+                                      </p:to>
+                                    </p:set>
+                                  </p:childTnLst>
+                                </p:cTn>
+                              </p:par>
+                              <p:par>
+                                <p:cTn id="122" presetID="10" presetClass="exit" presetSubtype="0" fill="hold" grpId="1" nodeType="withEffect">
+                                  <p:stCondLst>
+                                    <p:cond delay="0"/>
+                                  </p:stCondLst>
+                                  <p:iterate type="wd">
+                                    <p:tmPct val="0"/>
+                                  </p:iterate>
+                                  <p:childTnLst>
+                                    <p:animEffect transition="out" filter="fade">
+                                      <p:cBhvr>
+                                        <p:cTn id="123" dur="500"/>
+                                        <p:tgtEl>
+                                          <p:spTgt spid="2">
+                                            <p:txEl>
+                                              <p:pRg st="5" end="5"/>
+                                            </p:txEl>
+                                          </p:spTgt>
+                                        </p:tgtEl>
+                                      </p:cBhvr>
+                                    </p:animEffect>
+                                    <p:set>
+                                      <p:cBhvr>
+                                        <p:cTn id="124" dur="1" fill="hold">
+                                          <p:stCondLst>
+                                            <p:cond delay="499"/>
+                                          </p:stCondLst>
+                                        </p:cTn>
+                                        <p:tgtEl>
+                                          <p:spTgt spid="2">
+                                            <p:txEl>
+                                              <p:pRg st="5" end="5"/>
+                                            </p:txEl>
+                                          </p:spTgt>
+                                        </p:tgtEl>
+                                        <p:attrNameLst>
+                                          <p:attrName>style.visibility</p:attrName>
+                                        </p:attrNameLst>
+                                      </p:cBhvr>
+                                      <p:to>
+                                        <p:strVal val="hidden"/>
+                                      </p:to>
+                                    </p:set>
+                                  </p:childTnLst>
+                                </p:cTn>
+                              </p:par>
+                              <p:par>
+                                <p:cTn id="125" presetID="10" presetClass="exit" presetSubtype="0" fill="hold" grpId="1" nodeType="withEffect">
+                                  <p:stCondLst>
+                                    <p:cond delay="0"/>
+                                  </p:stCondLst>
+                                  <p:iterate type="wd">
+                                    <p:tmPct val="0"/>
+                                  </p:iterate>
+                                  <p:childTnLst>
+                                    <p:animEffect transition="out" filter="fade">
+                                      <p:cBhvr>
+                                        <p:cTn id="126" dur="500"/>
+                                        <p:tgtEl>
+                                          <p:spTgt spid="2">
+                                            <p:txEl>
+                                              <p:pRg st="6" end="6"/>
+                                            </p:txEl>
+                                          </p:spTgt>
+                                        </p:tgtEl>
+                                      </p:cBhvr>
+                                    </p:animEffect>
+                                    <p:set>
+                                      <p:cBhvr>
+                                        <p:cTn id="127" dur="1" fill="hold">
+                                          <p:stCondLst>
+                                            <p:cond delay="499"/>
+                                          </p:stCondLst>
+                                        </p:cTn>
+                                        <p:tgtEl>
+                                          <p:spTgt spid="2">
+                                            <p:txEl>
+                                              <p:pRg st="6" end="6"/>
+                                            </p:txEl>
+                                          </p:spTgt>
+                                        </p:tgtEl>
+                                        <p:attrNameLst>
+                                          <p:attrName>style.visibility</p:attrName>
+                                        </p:attrNameLst>
+                                      </p:cBhvr>
+                                      <p:to>
+                                        <p:strVal val="hidden"/>
+                                      </p:to>
+                                    </p:set>
                                   </p:childTnLst>
                                 </p:cTn>
                               </p:par>
@@ -9130,6 +10130,8 @@
       <p:bldP spid="39" grpId="0"/>
       <p:bldP spid="42" grpId="0" animBg="1"/>
       <p:bldP spid="42" grpId="1" animBg="1"/>
+      <p:bldP spid="2" grpId="0" build="p"/>
+      <p:bldP spid="2" grpId="1" build="allAtOnce"/>
     </p:bldLst>
   </p:timing>
 </p:sld>
@@ -10250,13 +11252,13 @@
   <p:clrMapOvr>
     <a:masterClrMapping/>
   </p:clrMapOvr>
-  <mc:AlternateContent xmlns:mc="http://schemas.openxmlformats.org/markup-compatibility/2006">
-    <mc:Choice xmlns:p14="http://schemas.microsoft.com/office/powerpoint/2010/main" Requires="p14">
+  <mc:AlternateContent xmlns:mc="http://schemas.openxmlformats.org/markup-compatibility/2006" xmlns:p14="http://schemas.microsoft.com/office/powerpoint/2010/main">
+    <mc:Choice Requires="p14">
       <p:transition spd="med" p14:dur="700">
         <p:fade/>
       </p:transition>
     </mc:Choice>
-    <mc:Fallback>
+    <mc:Fallback xmlns="">
       <p:transition spd="med">
         <p:fade/>
       </p:transition>
